--- a/resources/hw/genomic-data-visualization-HW_1.pptx
+++ b/resources/hw/genomic-data-visualization-HW_1.pptx
@@ -274,7 +274,7 @@
           <a:p>
             <a:fld id="{3B49BF8B-8FD1-1748-B518-B651293E6FA0}" type="datetimeFigureOut">
               <a:rPr lang="en-US" smtClean="0"/>
-              <a:t>1/26/25</a:t>
+              <a:t>1/5/26</a:t>
             </a:fld>
             <a:endParaRPr lang="en-US"/>
           </a:p>
@@ -444,7 +444,7 @@
           <a:p>
             <a:fld id="{3B49BF8B-8FD1-1748-B518-B651293E6FA0}" type="datetimeFigureOut">
               <a:rPr lang="en-US" smtClean="0"/>
-              <a:t>1/26/25</a:t>
+              <a:t>1/5/26</a:t>
             </a:fld>
             <a:endParaRPr lang="en-US"/>
           </a:p>
@@ -624,7 +624,7 @@
           <a:p>
             <a:fld id="{3B49BF8B-8FD1-1748-B518-B651293E6FA0}" type="datetimeFigureOut">
               <a:rPr lang="en-US" smtClean="0"/>
-              <a:t>1/26/25</a:t>
+              <a:t>1/5/26</a:t>
             </a:fld>
             <a:endParaRPr lang="en-US"/>
           </a:p>
@@ -794,7 +794,7 @@
           <a:p>
             <a:fld id="{3B49BF8B-8FD1-1748-B518-B651293E6FA0}" type="datetimeFigureOut">
               <a:rPr lang="en-US" smtClean="0"/>
-              <a:t>1/26/25</a:t>
+              <a:t>1/5/26</a:t>
             </a:fld>
             <a:endParaRPr lang="en-US"/>
           </a:p>
@@ -1054,7 +1054,7 @@
           <a:p>
             <a:fld id="{3B49BF8B-8FD1-1748-B518-B651293E6FA0}" type="datetimeFigureOut">
               <a:rPr lang="en-US" smtClean="0"/>
-              <a:t>1/26/25</a:t>
+              <a:t>1/5/26</a:t>
             </a:fld>
             <a:endParaRPr lang="en-US"/>
           </a:p>
@@ -1286,7 +1286,7 @@
           <a:p>
             <a:fld id="{3B49BF8B-8FD1-1748-B518-B651293E6FA0}" type="datetimeFigureOut">
               <a:rPr lang="en-US" smtClean="0"/>
-              <a:t>1/26/25</a:t>
+              <a:t>1/5/26</a:t>
             </a:fld>
             <a:endParaRPr lang="en-US"/>
           </a:p>
@@ -1641,7 +1641,7 @@
           <a:p>
             <a:fld id="{3B49BF8B-8FD1-1748-B518-B651293E6FA0}" type="datetimeFigureOut">
               <a:rPr lang="en-US" smtClean="0"/>
-              <a:t>1/26/25</a:t>
+              <a:t>1/5/26</a:t>
             </a:fld>
             <a:endParaRPr lang="en-US"/>
           </a:p>
@@ -1782,7 +1782,7 @@
           <a:p>
             <a:fld id="{3B49BF8B-8FD1-1748-B518-B651293E6FA0}" type="datetimeFigureOut">
               <a:rPr lang="en-US" smtClean="0"/>
-              <a:t>1/26/25</a:t>
+              <a:t>1/5/26</a:t>
             </a:fld>
             <a:endParaRPr lang="en-US"/>
           </a:p>
@@ -1877,7 +1877,7 @@
           <a:p>
             <a:fld id="{3B49BF8B-8FD1-1748-B518-B651293E6FA0}" type="datetimeFigureOut">
               <a:rPr lang="en-US" smtClean="0"/>
-              <a:t>1/26/25</a:t>
+              <a:t>1/5/26</a:t>
             </a:fld>
             <a:endParaRPr lang="en-US"/>
           </a:p>
@@ -2234,7 +2234,7 @@
           <a:p>
             <a:fld id="{3B49BF8B-8FD1-1748-B518-B651293E6FA0}" type="datetimeFigureOut">
               <a:rPr lang="en-US" smtClean="0"/>
-              <a:t>1/26/25</a:t>
+              <a:t>1/5/26</a:t>
             </a:fld>
             <a:endParaRPr lang="en-US"/>
           </a:p>
@@ -2552,7 +2552,7 @@
           <a:p>
             <a:fld id="{3B49BF8B-8FD1-1748-B518-B651293E6FA0}" type="datetimeFigureOut">
               <a:rPr lang="en-US" smtClean="0"/>
-              <a:t>1/26/25</a:t>
+              <a:t>1/5/26</a:t>
             </a:fld>
             <a:endParaRPr lang="en-US"/>
           </a:p>
@@ -2797,7 +2797,7 @@
           <a:p>
             <a:fld id="{3B49BF8B-8FD1-1748-B518-B651293E6FA0}" type="datetimeFigureOut">
               <a:rPr lang="en-US" smtClean="0"/>
-              <a:t>1/26/25</a:t>
+              <a:t>1/5/26</a:t>
             </a:fld>
             <a:endParaRPr lang="en-US"/>
           </a:p>
@@ -3566,7 +3566,7 @@
           <a:p>
             <a:r>
               <a:rPr lang="en-US" sz="2000" dirty="0"/>
-              <a:t>Create and describe a Data Visualization using YOUR DATA</a:t>
+              <a:t>Design and create a Data Visualization using YOUR spatial transcriptomics DATA</a:t>
             </a:r>
           </a:p>
         </p:txBody>
@@ -3595,7 +3595,7 @@
         </p:spPr>
         <p:txBody>
           <a:bodyPr>
-            <a:normAutofit lnSpcReduction="10000"/>
+            <a:normAutofit fontScale="92500" lnSpcReduction="10000"/>
           </a:bodyPr>
           <a:lstStyle/>
           <a:p>
@@ -3611,7 +3611,7 @@
                   <a:srgbClr val="404040"/>
                 </a:solidFill>
               </a:rPr>
-              <a:t>Your description of your data visualization must address the following questions:</a:t>
+              <a:t>Address the following questions:</a:t>
             </a:r>
           </a:p>
           <a:p>
@@ -3628,7 +3628,7 @@
                   <a:srgbClr val="404040"/>
                 </a:solidFill>
               </a:rPr>
-              <a:t>What data types are you visualizing?</a:t>
+              <a:t>What about the data would you like to make salient through this data visualization? </a:t>
             </a:r>
           </a:p>
           <a:p>
@@ -3645,7 +3645,7 @@
                   <a:srgbClr val="404040"/>
                 </a:solidFill>
               </a:rPr>
-              <a:t>What data encodings (geometric primitives and visual channels) are you using to visualize these data types?</a:t>
+              <a:t>What are the data types represented?</a:t>
             </a:r>
           </a:p>
           <a:p>
@@ -3662,7 +3662,7 @@
                   <a:srgbClr val="404040"/>
                 </a:solidFill>
               </a:rPr>
-              <a:t>What about the data are you trying to make salient through this data visualization? </a:t>
+              <a:t>What data encodings (geometric primitives and visual channels) are you choosing to visualize these data types?</a:t>
             </a:r>
           </a:p>
           <a:p>
@@ -3680,6 +3680,23 @@
                 </a:solidFill>
               </a:rPr>
               <a:t>What Gestalt principles and/or knowledge about perceptiveness of visual encodings are you using to accomplish this?</a:t>
+            </a:r>
+          </a:p>
+          <a:p>
+            <a:pPr marL="342900" indent="-342900">
+              <a:lnSpc>
+                <a:spcPct val="90000"/>
+              </a:lnSpc>
+              <a:buFont typeface="Arial" panose="020B0604020202020204" pitchFamily="34" charset="0"/>
+              <a:buAutoNum type="arabicPeriod"/>
+            </a:pPr>
+            <a:r>
+              <a:rPr lang="en-US" sz="1500" dirty="0">
+                <a:solidFill>
+                  <a:srgbClr val="404040"/>
+                </a:solidFill>
+              </a:rPr>
+              <a:t>Implement your data visualization. Provide the visualization and share the code. </a:t>
             </a:r>
           </a:p>
           <a:p>
@@ -3708,7 +3725,7 @@
                   <a:srgbClr val="404040"/>
                 </a:solidFill>
               </a:rPr>
-              <a:t>Your description must use vocabulary terms from Lesson1.  You must include the entire code you used to generate the figure so that it can be reproduced.  You must provide attribution to external resources referenced (if any) in writing your code. </a:t>
+              <a:t>Your description must use vocabulary terms from Lesson1.  You must include the entire code you used to generate the figure so that it can be reproduced.  You must provide attribution to external resources referenced (if any) in writing your code including prompts from generative AI if used. </a:t>
             </a:r>
           </a:p>
         </p:txBody>
